--- a/Documentação/Apresentação1.pptx
+++ b/Documentação/Apresentação1.pptx
@@ -113,6 +113,11 @@
       </a:defRPr>
     </a:lvl9pPr>
   </p:defaultTextStyle>
+  <p:extLst>
+    <p:ext uri="{EFAFB233-063F-42B5-8137-9DF3F51BA10A}">
+      <p15:sldGuideLst xmlns:p15="http://schemas.microsoft.com/office/powerpoint/2012/main"/>
+    </p:ext>
+  </p:extLst>
 </p:presentation>
 </file>
 
@@ -158,10 +163,9 @@
           </a:lstStyle>
           <a:p>
             <a:r>
-              <a:rPr lang="pt-BR" smtClean="0"/>
+              <a:rPr lang="pt-BR"/>
               <a:t>Clique para editar o título mestre</a:t>
             </a:r>
-            <a:endParaRPr lang="pt-BR"/>
           </a:p>
         </p:txBody>
       </p:sp>
@@ -223,10 +227,9 @@
           </a:lstStyle>
           <a:p>
             <a:r>
-              <a:rPr lang="pt-BR" smtClean="0"/>
+              <a:rPr lang="pt-BR"/>
               <a:t>Clique para editar o estilo do subtítulo mestre</a:t>
             </a:r>
-            <a:endParaRPr lang="pt-BR"/>
           </a:p>
         </p:txBody>
       </p:sp>
@@ -341,10 +344,9 @@
           <a:lstStyle/>
           <a:p>
             <a:r>
-              <a:rPr lang="pt-BR" smtClean="0"/>
+              <a:rPr lang="pt-BR"/>
               <a:t>Clique para editar o título mestre</a:t>
             </a:r>
-            <a:endParaRPr lang="pt-BR"/>
           </a:p>
         </p:txBody>
       </p:sp>
@@ -365,38 +367,37 @@
           <a:p>
             <a:pPr lvl="0"/>
             <a:r>
-              <a:rPr lang="pt-BR" smtClean="0"/>
+              <a:rPr lang="pt-BR"/>
               <a:t>Clique para editar o texto mestre</a:t>
             </a:r>
           </a:p>
           <a:p>
             <a:pPr lvl="1"/>
             <a:r>
-              <a:rPr lang="pt-BR" smtClean="0"/>
+              <a:rPr lang="pt-BR"/>
               <a:t>Segundo nível</a:t>
             </a:r>
           </a:p>
           <a:p>
             <a:pPr lvl="2"/>
             <a:r>
-              <a:rPr lang="pt-BR" smtClean="0"/>
+              <a:rPr lang="pt-BR"/>
               <a:t>Terceiro nível</a:t>
             </a:r>
           </a:p>
           <a:p>
             <a:pPr lvl="3"/>
             <a:r>
-              <a:rPr lang="pt-BR" smtClean="0"/>
+              <a:rPr lang="pt-BR"/>
               <a:t>Quarto nível</a:t>
             </a:r>
           </a:p>
           <a:p>
             <a:pPr lvl="4"/>
             <a:r>
-              <a:rPr lang="pt-BR" smtClean="0"/>
+              <a:rPr lang="pt-BR"/>
               <a:t>Quinto nível</a:t>
             </a:r>
-            <a:endParaRPr lang="pt-BR"/>
           </a:p>
         </p:txBody>
       </p:sp>
@@ -516,10 +517,9 @@
           <a:lstStyle/>
           <a:p>
             <a:r>
-              <a:rPr lang="pt-BR" smtClean="0"/>
+              <a:rPr lang="pt-BR"/>
               <a:t>Clique para editar o título mestre</a:t>
             </a:r>
-            <a:endParaRPr lang="pt-BR"/>
           </a:p>
         </p:txBody>
       </p:sp>
@@ -545,38 +545,37 @@
           <a:p>
             <a:pPr lvl="0"/>
             <a:r>
-              <a:rPr lang="pt-BR" smtClean="0"/>
+              <a:rPr lang="pt-BR"/>
               <a:t>Clique para editar o texto mestre</a:t>
             </a:r>
           </a:p>
           <a:p>
             <a:pPr lvl="1"/>
             <a:r>
-              <a:rPr lang="pt-BR" smtClean="0"/>
+              <a:rPr lang="pt-BR"/>
               <a:t>Segundo nível</a:t>
             </a:r>
           </a:p>
           <a:p>
             <a:pPr lvl="2"/>
             <a:r>
-              <a:rPr lang="pt-BR" smtClean="0"/>
+              <a:rPr lang="pt-BR"/>
               <a:t>Terceiro nível</a:t>
             </a:r>
           </a:p>
           <a:p>
             <a:pPr lvl="3"/>
             <a:r>
-              <a:rPr lang="pt-BR" smtClean="0"/>
+              <a:rPr lang="pt-BR"/>
               <a:t>Quarto nível</a:t>
             </a:r>
           </a:p>
           <a:p>
             <a:pPr lvl="4"/>
             <a:r>
-              <a:rPr lang="pt-BR" smtClean="0"/>
+              <a:rPr lang="pt-BR"/>
               <a:t>Quinto nível</a:t>
             </a:r>
-            <a:endParaRPr lang="pt-BR"/>
           </a:p>
         </p:txBody>
       </p:sp>
@@ -691,10 +690,9 @@
           <a:lstStyle/>
           <a:p>
             <a:r>
-              <a:rPr lang="pt-BR" smtClean="0"/>
+              <a:rPr lang="pt-BR"/>
               <a:t>Clique para editar o título mestre</a:t>
             </a:r>
-            <a:endParaRPr lang="pt-BR"/>
           </a:p>
         </p:txBody>
       </p:sp>
@@ -715,38 +713,37 @@
           <a:p>
             <a:pPr lvl="0"/>
             <a:r>
-              <a:rPr lang="pt-BR" smtClean="0"/>
+              <a:rPr lang="pt-BR"/>
               <a:t>Clique para editar o texto mestre</a:t>
             </a:r>
           </a:p>
           <a:p>
             <a:pPr lvl="1"/>
             <a:r>
-              <a:rPr lang="pt-BR" smtClean="0"/>
+              <a:rPr lang="pt-BR"/>
               <a:t>Segundo nível</a:t>
             </a:r>
           </a:p>
           <a:p>
             <a:pPr lvl="2"/>
             <a:r>
-              <a:rPr lang="pt-BR" smtClean="0"/>
+              <a:rPr lang="pt-BR"/>
               <a:t>Terceiro nível</a:t>
             </a:r>
           </a:p>
           <a:p>
             <a:pPr lvl="3"/>
             <a:r>
-              <a:rPr lang="pt-BR" smtClean="0"/>
+              <a:rPr lang="pt-BR"/>
               <a:t>Quarto nível</a:t>
             </a:r>
           </a:p>
           <a:p>
             <a:pPr lvl="4"/>
             <a:r>
-              <a:rPr lang="pt-BR" smtClean="0"/>
+              <a:rPr lang="pt-BR"/>
               <a:t>Quinto nível</a:t>
             </a:r>
-            <a:endParaRPr lang="pt-BR"/>
           </a:p>
         </p:txBody>
       </p:sp>
@@ -870,10 +867,9 @@
           </a:lstStyle>
           <a:p>
             <a:r>
-              <a:rPr lang="pt-BR" smtClean="0"/>
+              <a:rPr lang="pt-BR"/>
               <a:t>Clique para editar o título mestre</a:t>
             </a:r>
-            <a:endParaRPr lang="pt-BR"/>
           </a:p>
         </p:txBody>
       </p:sp>
@@ -990,7 +986,7 @@
           <a:p>
             <a:pPr lvl="0"/>
             <a:r>
-              <a:rPr lang="pt-BR" smtClean="0"/>
+              <a:rPr lang="pt-BR"/>
               <a:t>Clique para editar o texto mestre</a:t>
             </a:r>
           </a:p>
@@ -1107,10 +1103,9 @@
           <a:lstStyle/>
           <a:p>
             <a:r>
-              <a:rPr lang="pt-BR" smtClean="0"/>
+              <a:rPr lang="pt-BR"/>
               <a:t>Clique para editar o título mestre</a:t>
             </a:r>
-            <a:endParaRPr lang="pt-BR"/>
           </a:p>
         </p:txBody>
       </p:sp>
@@ -1136,38 +1131,37 @@
           <a:p>
             <a:pPr lvl="0"/>
             <a:r>
-              <a:rPr lang="pt-BR" smtClean="0"/>
+              <a:rPr lang="pt-BR"/>
               <a:t>Clique para editar o texto mestre</a:t>
             </a:r>
           </a:p>
           <a:p>
             <a:pPr lvl="1"/>
             <a:r>
-              <a:rPr lang="pt-BR" smtClean="0"/>
+              <a:rPr lang="pt-BR"/>
               <a:t>Segundo nível</a:t>
             </a:r>
           </a:p>
           <a:p>
             <a:pPr lvl="2"/>
             <a:r>
-              <a:rPr lang="pt-BR" smtClean="0"/>
+              <a:rPr lang="pt-BR"/>
               <a:t>Terceiro nível</a:t>
             </a:r>
           </a:p>
           <a:p>
             <a:pPr lvl="3"/>
             <a:r>
-              <a:rPr lang="pt-BR" smtClean="0"/>
+              <a:rPr lang="pt-BR"/>
               <a:t>Quarto nível</a:t>
             </a:r>
           </a:p>
           <a:p>
             <a:pPr lvl="4"/>
             <a:r>
-              <a:rPr lang="pt-BR" smtClean="0"/>
+              <a:rPr lang="pt-BR"/>
               <a:t>Quinto nível</a:t>
             </a:r>
-            <a:endParaRPr lang="pt-BR"/>
           </a:p>
         </p:txBody>
       </p:sp>
@@ -1193,38 +1187,37 @@
           <a:p>
             <a:pPr lvl="0"/>
             <a:r>
-              <a:rPr lang="pt-BR" smtClean="0"/>
+              <a:rPr lang="pt-BR"/>
               <a:t>Clique para editar o texto mestre</a:t>
             </a:r>
           </a:p>
           <a:p>
             <a:pPr lvl="1"/>
             <a:r>
-              <a:rPr lang="pt-BR" smtClean="0"/>
+              <a:rPr lang="pt-BR"/>
               <a:t>Segundo nível</a:t>
             </a:r>
           </a:p>
           <a:p>
             <a:pPr lvl="2"/>
             <a:r>
-              <a:rPr lang="pt-BR" smtClean="0"/>
+              <a:rPr lang="pt-BR"/>
               <a:t>Terceiro nível</a:t>
             </a:r>
           </a:p>
           <a:p>
             <a:pPr lvl="3"/>
             <a:r>
-              <a:rPr lang="pt-BR" smtClean="0"/>
+              <a:rPr lang="pt-BR"/>
               <a:t>Quarto nível</a:t>
             </a:r>
           </a:p>
           <a:p>
             <a:pPr lvl="4"/>
             <a:r>
-              <a:rPr lang="pt-BR" smtClean="0"/>
+              <a:rPr lang="pt-BR"/>
               <a:t>Quinto nível</a:t>
             </a:r>
-            <a:endParaRPr lang="pt-BR"/>
           </a:p>
         </p:txBody>
       </p:sp>
@@ -1344,10 +1337,9 @@
           <a:lstStyle/>
           <a:p>
             <a:r>
-              <a:rPr lang="pt-BR" smtClean="0"/>
+              <a:rPr lang="pt-BR"/>
               <a:t>Clique para editar o título mestre</a:t>
             </a:r>
-            <a:endParaRPr lang="pt-BR"/>
           </a:p>
         </p:txBody>
       </p:sp>
@@ -1410,7 +1402,7 @@
           <a:p>
             <a:pPr lvl="0"/>
             <a:r>
-              <a:rPr lang="pt-BR" smtClean="0"/>
+              <a:rPr lang="pt-BR"/>
               <a:t>Clique para editar o texto mestre</a:t>
             </a:r>
           </a:p>
@@ -1438,38 +1430,37 @@
           <a:p>
             <a:pPr lvl="0"/>
             <a:r>
-              <a:rPr lang="pt-BR" smtClean="0"/>
+              <a:rPr lang="pt-BR"/>
               <a:t>Clique para editar o texto mestre</a:t>
             </a:r>
           </a:p>
           <a:p>
             <a:pPr lvl="1"/>
             <a:r>
-              <a:rPr lang="pt-BR" smtClean="0"/>
+              <a:rPr lang="pt-BR"/>
               <a:t>Segundo nível</a:t>
             </a:r>
           </a:p>
           <a:p>
             <a:pPr lvl="2"/>
             <a:r>
-              <a:rPr lang="pt-BR" smtClean="0"/>
+              <a:rPr lang="pt-BR"/>
               <a:t>Terceiro nível</a:t>
             </a:r>
           </a:p>
           <a:p>
             <a:pPr lvl="3"/>
             <a:r>
-              <a:rPr lang="pt-BR" smtClean="0"/>
+              <a:rPr lang="pt-BR"/>
               <a:t>Quarto nível</a:t>
             </a:r>
           </a:p>
           <a:p>
             <a:pPr lvl="4"/>
             <a:r>
-              <a:rPr lang="pt-BR" smtClean="0"/>
+              <a:rPr lang="pt-BR"/>
               <a:t>Quinto nível</a:t>
             </a:r>
-            <a:endParaRPr lang="pt-BR"/>
           </a:p>
         </p:txBody>
       </p:sp>
@@ -1532,7 +1523,7 @@
           <a:p>
             <a:pPr lvl="0"/>
             <a:r>
-              <a:rPr lang="pt-BR" smtClean="0"/>
+              <a:rPr lang="pt-BR"/>
               <a:t>Clique para editar o texto mestre</a:t>
             </a:r>
           </a:p>
@@ -1560,38 +1551,37 @@
           <a:p>
             <a:pPr lvl="0"/>
             <a:r>
-              <a:rPr lang="pt-BR" smtClean="0"/>
+              <a:rPr lang="pt-BR"/>
               <a:t>Clique para editar o texto mestre</a:t>
             </a:r>
           </a:p>
           <a:p>
             <a:pPr lvl="1"/>
             <a:r>
-              <a:rPr lang="pt-BR" smtClean="0"/>
+              <a:rPr lang="pt-BR"/>
               <a:t>Segundo nível</a:t>
             </a:r>
           </a:p>
           <a:p>
             <a:pPr lvl="2"/>
             <a:r>
-              <a:rPr lang="pt-BR" smtClean="0"/>
+              <a:rPr lang="pt-BR"/>
               <a:t>Terceiro nível</a:t>
             </a:r>
           </a:p>
           <a:p>
             <a:pPr lvl="3"/>
             <a:r>
-              <a:rPr lang="pt-BR" smtClean="0"/>
+              <a:rPr lang="pt-BR"/>
               <a:t>Quarto nível</a:t>
             </a:r>
           </a:p>
           <a:p>
             <a:pPr lvl="4"/>
             <a:r>
-              <a:rPr lang="pt-BR" smtClean="0"/>
+              <a:rPr lang="pt-BR"/>
               <a:t>Quinto nível</a:t>
             </a:r>
-            <a:endParaRPr lang="pt-BR"/>
           </a:p>
         </p:txBody>
       </p:sp>
@@ -1706,10 +1696,9 @@
           <a:lstStyle/>
           <a:p>
             <a:r>
-              <a:rPr lang="pt-BR" smtClean="0"/>
+              <a:rPr lang="pt-BR"/>
               <a:t>Clique para editar o título mestre</a:t>
             </a:r>
-            <a:endParaRPr lang="pt-BR"/>
           </a:p>
         </p:txBody>
       </p:sp>
@@ -1928,10 +1917,9 @@
           </a:lstStyle>
           <a:p>
             <a:r>
-              <a:rPr lang="pt-BR" smtClean="0"/>
+              <a:rPr lang="pt-BR"/>
               <a:t>Clique para editar o título mestre</a:t>
             </a:r>
-            <a:endParaRPr lang="pt-BR"/>
           </a:p>
         </p:txBody>
       </p:sp>
@@ -1985,38 +1973,37 @@
           <a:p>
             <a:pPr lvl="0"/>
             <a:r>
-              <a:rPr lang="pt-BR" smtClean="0"/>
+              <a:rPr lang="pt-BR"/>
               <a:t>Clique para editar o texto mestre</a:t>
             </a:r>
           </a:p>
           <a:p>
             <a:pPr lvl="1"/>
             <a:r>
-              <a:rPr lang="pt-BR" smtClean="0"/>
+              <a:rPr lang="pt-BR"/>
               <a:t>Segundo nível</a:t>
             </a:r>
           </a:p>
           <a:p>
             <a:pPr lvl="2"/>
             <a:r>
-              <a:rPr lang="pt-BR" smtClean="0"/>
+              <a:rPr lang="pt-BR"/>
               <a:t>Terceiro nível</a:t>
             </a:r>
           </a:p>
           <a:p>
             <a:pPr lvl="3"/>
             <a:r>
-              <a:rPr lang="pt-BR" smtClean="0"/>
+              <a:rPr lang="pt-BR"/>
               <a:t>Quarto nível</a:t>
             </a:r>
           </a:p>
           <a:p>
             <a:pPr lvl="4"/>
             <a:r>
-              <a:rPr lang="pt-BR" smtClean="0"/>
+              <a:rPr lang="pt-BR"/>
               <a:t>Quinto nível</a:t>
             </a:r>
-            <a:endParaRPr lang="pt-BR"/>
           </a:p>
         </p:txBody>
       </p:sp>
@@ -2079,7 +2066,7 @@
           <a:p>
             <a:pPr lvl="0"/>
             <a:r>
-              <a:rPr lang="pt-BR" smtClean="0"/>
+              <a:rPr lang="pt-BR"/>
               <a:t>Clique para editar o texto mestre</a:t>
             </a:r>
           </a:p>
@@ -2205,10 +2192,9 @@
           </a:lstStyle>
           <a:p>
             <a:r>
-              <a:rPr lang="pt-BR" smtClean="0"/>
+              <a:rPr lang="pt-BR"/>
               <a:t>Clique para editar o título mestre</a:t>
             </a:r>
-            <a:endParaRPr lang="pt-BR"/>
           </a:p>
         </p:txBody>
       </p:sp>
@@ -2332,7 +2318,7 @@
           <a:p>
             <a:pPr lvl="0"/>
             <a:r>
-              <a:rPr lang="pt-BR" smtClean="0"/>
+              <a:rPr lang="pt-BR"/>
               <a:t>Clique para editar o texto mestre</a:t>
             </a:r>
           </a:p>
@@ -2464,10 +2450,9 @@
           <a:lstStyle/>
           <a:p>
             <a:r>
-              <a:rPr lang="pt-BR" smtClean="0"/>
+              <a:rPr lang="pt-BR"/>
               <a:t>Clique para editar o título mestre</a:t>
             </a:r>
-            <a:endParaRPr lang="pt-BR"/>
           </a:p>
         </p:txBody>
       </p:sp>
@@ -2498,38 +2483,37 @@
           <a:p>
             <a:pPr lvl="0"/>
             <a:r>
-              <a:rPr lang="pt-BR" smtClean="0"/>
+              <a:rPr lang="pt-BR"/>
               <a:t>Clique para editar o texto mestre</a:t>
             </a:r>
           </a:p>
           <a:p>
             <a:pPr lvl="1"/>
             <a:r>
-              <a:rPr lang="pt-BR" smtClean="0"/>
+              <a:rPr lang="pt-BR"/>
               <a:t>Segundo nível</a:t>
             </a:r>
           </a:p>
           <a:p>
             <a:pPr lvl="2"/>
             <a:r>
-              <a:rPr lang="pt-BR" smtClean="0"/>
+              <a:rPr lang="pt-BR"/>
               <a:t>Terceiro nível</a:t>
             </a:r>
           </a:p>
           <a:p>
             <a:pPr lvl="3"/>
             <a:r>
-              <a:rPr lang="pt-BR" smtClean="0"/>
+              <a:rPr lang="pt-BR"/>
               <a:t>Quarto nível</a:t>
             </a:r>
           </a:p>
           <a:p>
             <a:pPr lvl="4"/>
             <a:r>
-              <a:rPr lang="pt-BR" smtClean="0"/>
+              <a:rPr lang="pt-BR"/>
               <a:t>Quinto nível</a:t>
             </a:r>
-            <a:endParaRPr lang="pt-BR"/>
           </a:p>
         </p:txBody>
       </p:sp>
@@ -2997,13 +2981,6 @@
   <p:clrMapOvr>
     <a:masterClrMapping/>
   </p:clrMapOvr>
-  <p:timing>
-    <p:tnLst>
-      <p:par>
-        <p:cTn id="1" dur="indefinite" restart="never" nodeType="tmRoot"/>
-      </p:par>
-    </p:tnLst>
-  </p:timing>
 </p:sld>
 </file>
 
@@ -3048,13 +3025,6 @@
   <p:clrMapOvr>
     <a:masterClrMapping/>
   </p:clrMapOvr>
-  <p:timing>
-    <p:tnLst>
-      <p:par>
-        <p:cTn id="1" dur="indefinite" restart="never" nodeType="tmRoot"/>
-      </p:par>
-    </p:tnLst>
-  </p:timing>
 </p:sld>
 </file>
 
@@ -3099,13 +3069,6 @@
   <p:clrMapOvr>
     <a:masterClrMapping/>
   </p:clrMapOvr>
-  <p:timing>
-    <p:tnLst>
-      <p:par>
-        <p:cTn id="1" dur="indefinite" restart="never" nodeType="tmRoot"/>
-      </p:par>
-    </p:tnLst>
-  </p:timing>
 </p:sld>
 </file>
 
@@ -3150,13 +3113,6 @@
   <p:clrMapOvr>
     <a:masterClrMapping/>
   </p:clrMapOvr>
-  <p:timing>
-    <p:tnLst>
-      <p:par>
-        <p:cTn id="1" dur="indefinite" restart="never" nodeType="tmRoot"/>
-      </p:par>
-    </p:tnLst>
-  </p:timing>
 </p:sld>
 </file>
 
@@ -3201,13 +3157,6 @@
   <p:clrMapOvr>
     <a:masterClrMapping/>
   </p:clrMapOvr>
-  <p:timing>
-    <p:tnLst>
-      <p:par>
-        <p:cTn id="1" dur="indefinite" restart="never" nodeType="tmRoot"/>
-      </p:par>
-    </p:tnLst>
-  </p:timing>
 </p:sld>
 </file>
 
@@ -3252,13 +3201,6 @@
   <p:clrMapOvr>
     <a:masterClrMapping/>
   </p:clrMapOvr>
-  <p:timing>
-    <p:tnLst>
-      <p:par>
-        <p:cTn id="1" dur="indefinite" restart="never" nodeType="tmRoot"/>
-      </p:par>
-    </p:tnLst>
-  </p:timing>
 </p:sld>
 </file>
 
@@ -3293,6 +3235,637 @@
           <a:chExt cx="0" cy="0"/>
         </a:xfrm>
       </p:grpSpPr>
+      <p:sp>
+        <p:nvSpPr>
+          <p:cNvPr id="2" name="AutoShape 11">
+            <a:extLst>
+              <a:ext uri="{FF2B5EF4-FFF2-40B4-BE49-F238E27FC236}">
+                <a16:creationId xmlns:a16="http://schemas.microsoft.com/office/drawing/2014/main" id="{D90F8435-4D6C-4033-86A2-61EEADA7D323}"/>
+              </a:ext>
+            </a:extLst>
+          </p:cNvPr>
+          <p:cNvSpPr/>
+          <p:nvPr/>
+        </p:nvSpPr>
+        <p:spPr>
+          <a:xfrm>
+            <a:off x="573175" y="4802561"/>
+            <a:ext cx="3170793" cy="1963826"/>
+          </a:xfrm>
+          <a:prstGeom prst="rect">
+            <a:avLst/>
+          </a:prstGeom>
+          <a:noFill/>
+        </p:spPr>
+      </p:sp>
+      <p:sp>
+        <p:nvSpPr>
+          <p:cNvPr id="3" name="AutoShape 12">
+            <a:extLst>
+              <a:ext uri="{FF2B5EF4-FFF2-40B4-BE49-F238E27FC236}">
+                <a16:creationId xmlns:a16="http://schemas.microsoft.com/office/drawing/2014/main" id="{417CAF95-9B6E-413A-A129-8E1184B63125}"/>
+              </a:ext>
+            </a:extLst>
+          </p:cNvPr>
+          <p:cNvSpPr/>
+          <p:nvPr/>
+        </p:nvSpPr>
+        <p:spPr>
+          <a:xfrm>
+            <a:off x="4556665" y="4802561"/>
+            <a:ext cx="3294983" cy="1963826"/>
+          </a:xfrm>
+          <a:prstGeom prst="rect">
+            <a:avLst/>
+          </a:prstGeom>
+          <a:noFill/>
+        </p:spPr>
+      </p:sp>
+      <p:sp>
+        <p:nvSpPr>
+          <p:cNvPr id="4" name="AutoShape 13">
+            <a:extLst>
+              <a:ext uri="{FF2B5EF4-FFF2-40B4-BE49-F238E27FC236}">
+                <a16:creationId xmlns:a16="http://schemas.microsoft.com/office/drawing/2014/main" id="{DC8BA0D9-42ED-469A-B547-B9110DB18F99}"/>
+              </a:ext>
+            </a:extLst>
+          </p:cNvPr>
+          <p:cNvSpPr/>
+          <p:nvPr/>
+        </p:nvSpPr>
+        <p:spPr>
+          <a:xfrm>
+            <a:off x="8650030" y="2181466"/>
+            <a:ext cx="3170793" cy="1963826"/>
+          </a:xfrm>
+          <a:prstGeom prst="rect">
+            <a:avLst/>
+          </a:prstGeom>
+          <a:noFill/>
+        </p:spPr>
+      </p:sp>
+      <p:sp>
+        <p:nvSpPr>
+          <p:cNvPr id="5" name="AutoShape 14">
+            <a:extLst>
+              <a:ext uri="{FF2B5EF4-FFF2-40B4-BE49-F238E27FC236}">
+                <a16:creationId xmlns:a16="http://schemas.microsoft.com/office/drawing/2014/main" id="{569DFB42-EF0C-41B9-96DF-EBC706C3D17A}"/>
+              </a:ext>
+            </a:extLst>
+          </p:cNvPr>
+          <p:cNvSpPr/>
+          <p:nvPr/>
+        </p:nvSpPr>
+        <p:spPr>
+          <a:xfrm>
+            <a:off x="8549030" y="4802561"/>
+            <a:ext cx="3372791" cy="1963826"/>
+          </a:xfrm>
+          <a:prstGeom prst="rect">
+            <a:avLst/>
+          </a:prstGeom>
+          <a:noFill/>
+        </p:spPr>
+        <p:txBody>
+          <a:bodyPr/>
+          <a:lstStyle/>
+          <a:p>
+            <a:endParaRPr lang="pt-BR" dirty="0"/>
+          </a:p>
+        </p:txBody>
+      </p:sp>
+      <p:sp>
+        <p:nvSpPr>
+          <p:cNvPr id="6" name="AutoShape 15">
+            <a:extLst>
+              <a:ext uri="{FF2B5EF4-FFF2-40B4-BE49-F238E27FC236}">
+                <a16:creationId xmlns:a16="http://schemas.microsoft.com/office/drawing/2014/main" id="{6ED90256-D8BF-4A9A-A67E-BEE90FBCFE32}"/>
+              </a:ext>
+            </a:extLst>
+          </p:cNvPr>
+          <p:cNvSpPr/>
+          <p:nvPr/>
+        </p:nvSpPr>
+        <p:spPr>
+          <a:xfrm>
+            <a:off x="4680855" y="2213800"/>
+            <a:ext cx="3170793" cy="1963826"/>
+          </a:xfrm>
+          <a:prstGeom prst="rect">
+            <a:avLst/>
+          </a:prstGeom>
+          <a:noFill/>
+        </p:spPr>
+      </p:sp>
+      <p:sp>
+        <p:nvSpPr>
+          <p:cNvPr id="15" name="AutoShape 11">
+            <a:extLst>
+              <a:ext uri="{FF2B5EF4-FFF2-40B4-BE49-F238E27FC236}">
+                <a16:creationId xmlns:a16="http://schemas.microsoft.com/office/drawing/2014/main" id="{C5E9D2F6-9F11-4651-A06B-594FC4FFA697}"/>
+              </a:ext>
+            </a:extLst>
+          </p:cNvPr>
+          <p:cNvSpPr/>
+          <p:nvPr/>
+        </p:nvSpPr>
+        <p:spPr>
+          <a:xfrm>
+            <a:off x="573174" y="2213800"/>
+            <a:ext cx="3170793" cy="1963826"/>
+          </a:xfrm>
+          <a:prstGeom prst="rect">
+            <a:avLst/>
+          </a:prstGeom>
+          <a:noFill/>
+        </p:spPr>
+      </p:sp>
+      <p:sp>
+        <p:nvSpPr>
+          <p:cNvPr id="16" name="AutoShape 14">
+            <a:extLst>
+              <a:ext uri="{FF2B5EF4-FFF2-40B4-BE49-F238E27FC236}">
+                <a16:creationId xmlns:a16="http://schemas.microsoft.com/office/drawing/2014/main" id="{1FDE26FE-179D-425A-B3F5-9F688A109B6A}"/>
+              </a:ext>
+            </a:extLst>
+          </p:cNvPr>
+          <p:cNvSpPr/>
+          <p:nvPr/>
+        </p:nvSpPr>
+        <p:spPr>
+          <a:xfrm>
+            <a:off x="472174" y="2131197"/>
+            <a:ext cx="3372791" cy="1963826"/>
+          </a:xfrm>
+          <a:prstGeom prst="rect">
+            <a:avLst/>
+          </a:prstGeom>
+          <a:noFill/>
+        </p:spPr>
+        <p:txBody>
+          <a:bodyPr/>
+          <a:lstStyle/>
+          <a:p>
+            <a:endParaRPr lang="pt-BR" dirty="0"/>
+          </a:p>
+        </p:txBody>
+      </p:sp>
+      <p:sp>
+        <p:nvSpPr>
+          <p:cNvPr id="17" name="AutoShape 14">
+            <a:extLst>
+              <a:ext uri="{FF2B5EF4-FFF2-40B4-BE49-F238E27FC236}">
+                <a16:creationId xmlns:a16="http://schemas.microsoft.com/office/drawing/2014/main" id="{AF59DB3D-0524-471C-9560-031194BE14C6}"/>
+              </a:ext>
+            </a:extLst>
+          </p:cNvPr>
+          <p:cNvSpPr/>
+          <p:nvPr/>
+        </p:nvSpPr>
+        <p:spPr>
+          <a:xfrm>
+            <a:off x="4478856" y="2131197"/>
+            <a:ext cx="3372791" cy="1963826"/>
+          </a:xfrm>
+          <a:prstGeom prst="rect">
+            <a:avLst/>
+          </a:prstGeom>
+          <a:noFill/>
+        </p:spPr>
+        <p:txBody>
+          <a:bodyPr/>
+          <a:lstStyle/>
+          <a:p>
+            <a:endParaRPr lang="pt-BR" dirty="0"/>
+          </a:p>
+        </p:txBody>
+      </p:sp>
+      <p:sp>
+        <p:nvSpPr>
+          <p:cNvPr id="18" name="AutoShape 14">
+            <a:extLst>
+              <a:ext uri="{FF2B5EF4-FFF2-40B4-BE49-F238E27FC236}">
+                <a16:creationId xmlns:a16="http://schemas.microsoft.com/office/drawing/2014/main" id="{274C2982-B8C1-4A24-B113-10A93CC63EE6}"/>
+              </a:ext>
+            </a:extLst>
+          </p:cNvPr>
+          <p:cNvSpPr/>
+          <p:nvPr/>
+        </p:nvSpPr>
+        <p:spPr>
+          <a:xfrm>
+            <a:off x="472174" y="4802561"/>
+            <a:ext cx="3372791" cy="1963826"/>
+          </a:xfrm>
+          <a:prstGeom prst="rect">
+            <a:avLst/>
+          </a:prstGeom>
+          <a:noFill/>
+        </p:spPr>
+        <p:txBody>
+          <a:bodyPr/>
+          <a:lstStyle/>
+          <a:p>
+            <a:endParaRPr lang="pt-BR" dirty="0"/>
+          </a:p>
+        </p:txBody>
+      </p:sp>
+      <p:sp>
+        <p:nvSpPr>
+          <p:cNvPr id="19" name="AutoShape 14">
+            <a:extLst>
+              <a:ext uri="{FF2B5EF4-FFF2-40B4-BE49-F238E27FC236}">
+                <a16:creationId xmlns:a16="http://schemas.microsoft.com/office/drawing/2014/main" id="{3B9A0690-62AA-4453-B130-EA59D641F5C0}"/>
+              </a:ext>
+            </a:extLst>
+          </p:cNvPr>
+          <p:cNvSpPr/>
+          <p:nvPr/>
+        </p:nvSpPr>
+        <p:spPr>
+          <a:xfrm>
+            <a:off x="4478857" y="4802561"/>
+            <a:ext cx="3372791" cy="1963826"/>
+          </a:xfrm>
+          <a:prstGeom prst="rect">
+            <a:avLst/>
+          </a:prstGeom>
+          <a:noFill/>
+        </p:spPr>
+        <p:txBody>
+          <a:bodyPr/>
+          <a:lstStyle/>
+          <a:p>
+            <a:endParaRPr lang="pt-BR" dirty="0"/>
+          </a:p>
+        </p:txBody>
+      </p:sp>
+      <p:sp>
+        <p:nvSpPr>
+          <p:cNvPr id="26" name="TextBox 18">
+            <a:extLst>
+              <a:ext uri="{FF2B5EF4-FFF2-40B4-BE49-F238E27FC236}">
+                <a16:creationId xmlns:a16="http://schemas.microsoft.com/office/drawing/2014/main" id="{E1D2BCD1-241D-45CF-BBDC-E9D3B9987239}"/>
+              </a:ext>
+            </a:extLst>
+          </p:cNvPr>
+          <p:cNvSpPr txBox="1"/>
+          <p:nvPr/>
+        </p:nvSpPr>
+        <p:spPr>
+          <a:xfrm>
+            <a:off x="558602" y="2884842"/>
+            <a:ext cx="3150842" cy="456535"/>
+          </a:xfrm>
+          <a:prstGeom prst="rect">
+            <a:avLst/>
+          </a:prstGeom>
+          <a:solidFill>
+            <a:srgbClr val="0F7D80"/>
+          </a:solidFill>
+        </p:spPr>
+        <p:txBody>
+          <a:bodyPr wrap="square" lIns="0" tIns="0" rIns="0" bIns="0" rtlCol="0" anchor="t">
+            <a:spAutoFit/>
+          </a:bodyPr>
+          <a:lstStyle/>
+          <a:p>
+            <a:pPr algn="ctr">
+              <a:lnSpc>
+                <a:spcPts val="4160"/>
+              </a:lnSpc>
+              <a:spcBef>
+                <a:spcPct val="0"/>
+              </a:spcBef>
+            </a:pPr>
+            <a:r>
+              <a:rPr lang="en-US" spc="448" dirty="0">
+                <a:solidFill>
+                  <a:schemeClr val="bg1"/>
+                </a:solidFill>
+                <a:latin typeface="Poppins Light"/>
+              </a:rPr>
+              <a:t>CHRISTIAN </a:t>
+            </a:r>
+            <a:r>
+              <a:rPr lang="en-US" spc="448" dirty="0">
+                <a:solidFill>
+                  <a:schemeClr val="bg1"/>
+                </a:solidFill>
+                <a:latin typeface="Poppins Light"/>
+                <a:hlinkClick r:id="rId3" action="ppaction://hlinkfile">
+                  <a:extLst>
+                    <a:ext uri="{A12FA001-AC4F-418D-AE19-62706E023703}">
+                      <ahyp:hlinkClr xmlns:ahyp="http://schemas.microsoft.com/office/drawing/2018/hyperlinkcolor" val="tx"/>
+                    </a:ext>
+                  </a:extLst>
+                </a:hlinkClick>
+              </a:rPr>
+              <a:t>SILVA</a:t>
+            </a:r>
+            <a:endParaRPr lang="en-US" spc="448" dirty="0">
+              <a:solidFill>
+                <a:schemeClr val="bg1"/>
+              </a:solidFill>
+              <a:latin typeface="Poppins Light"/>
+            </a:endParaRPr>
+          </a:p>
+        </p:txBody>
+      </p:sp>
+      <p:sp>
+        <p:nvSpPr>
+          <p:cNvPr id="27" name="TextBox 19">
+            <a:extLst>
+              <a:ext uri="{FF2B5EF4-FFF2-40B4-BE49-F238E27FC236}">
+                <a16:creationId xmlns:a16="http://schemas.microsoft.com/office/drawing/2014/main" id="{68DADF33-4889-45FE-BEF4-79D04A75815F}"/>
+              </a:ext>
+            </a:extLst>
+          </p:cNvPr>
+          <p:cNvSpPr txBox="1"/>
+          <p:nvPr/>
+        </p:nvSpPr>
+        <p:spPr>
+          <a:xfrm>
+            <a:off x="4680855" y="2881341"/>
+            <a:ext cx="3150842" cy="456535"/>
+          </a:xfrm>
+          <a:prstGeom prst="rect">
+            <a:avLst/>
+          </a:prstGeom>
+          <a:solidFill>
+            <a:srgbClr val="0F7D80"/>
+          </a:solidFill>
+        </p:spPr>
+        <p:txBody>
+          <a:bodyPr wrap="square" lIns="0" tIns="0" rIns="0" bIns="0" rtlCol="0" anchor="t">
+            <a:spAutoFit/>
+          </a:bodyPr>
+          <a:lstStyle/>
+          <a:p>
+            <a:pPr algn="ctr">
+              <a:lnSpc>
+                <a:spcPts val="4160"/>
+              </a:lnSpc>
+              <a:spcBef>
+                <a:spcPct val="0"/>
+              </a:spcBef>
+            </a:pPr>
+            <a:r>
+              <a:rPr lang="en-US" spc="448" dirty="0">
+                <a:solidFill>
+                  <a:srgbClr val="FFFFFF"/>
+                </a:solidFill>
+                <a:latin typeface="Poppins Light"/>
+              </a:rPr>
+              <a:t>DORIVAL RAMOS</a:t>
+            </a:r>
+          </a:p>
+        </p:txBody>
+      </p:sp>
+      <p:sp>
+        <p:nvSpPr>
+          <p:cNvPr id="28" name="TextBox 20">
+            <a:extLst>
+              <a:ext uri="{FF2B5EF4-FFF2-40B4-BE49-F238E27FC236}">
+                <a16:creationId xmlns:a16="http://schemas.microsoft.com/office/drawing/2014/main" id="{9F36E243-A260-47F4-BB14-70B65FD76580}"/>
+              </a:ext>
+            </a:extLst>
+          </p:cNvPr>
+          <p:cNvSpPr txBox="1"/>
+          <p:nvPr/>
+        </p:nvSpPr>
+        <p:spPr>
+          <a:xfrm>
+            <a:off x="8612519" y="5459259"/>
+            <a:ext cx="3150842" cy="456535"/>
+          </a:xfrm>
+          <a:prstGeom prst="rect">
+            <a:avLst/>
+          </a:prstGeom>
+          <a:solidFill>
+            <a:srgbClr val="0F7D80"/>
+          </a:solidFill>
+        </p:spPr>
+        <p:txBody>
+          <a:bodyPr wrap="square" lIns="0" tIns="0" rIns="0" bIns="0" rtlCol="0" anchor="t">
+            <a:spAutoFit/>
+          </a:bodyPr>
+          <a:lstStyle/>
+          <a:p>
+            <a:pPr algn="ctr">
+              <a:lnSpc>
+                <a:spcPts val="4160"/>
+              </a:lnSpc>
+              <a:spcBef>
+                <a:spcPct val="0"/>
+              </a:spcBef>
+            </a:pPr>
+            <a:r>
+              <a:rPr lang="en-US" spc="448" dirty="0">
+                <a:solidFill>
+                  <a:srgbClr val="FFFFFF"/>
+                </a:solidFill>
+                <a:latin typeface="Poppins Light"/>
+              </a:rPr>
+              <a:t>VALMOR MACHADO</a:t>
+            </a:r>
+          </a:p>
+        </p:txBody>
+      </p:sp>
+      <p:sp>
+        <p:nvSpPr>
+          <p:cNvPr id="29" name="TextBox 21">
+            <a:extLst>
+              <a:ext uri="{FF2B5EF4-FFF2-40B4-BE49-F238E27FC236}">
+                <a16:creationId xmlns:a16="http://schemas.microsoft.com/office/drawing/2014/main" id="{BFA34F24-F159-4056-B438-23D7D168EC7B}"/>
+              </a:ext>
+            </a:extLst>
+          </p:cNvPr>
+          <p:cNvSpPr txBox="1"/>
+          <p:nvPr/>
+        </p:nvSpPr>
+        <p:spPr>
+          <a:xfrm>
+            <a:off x="8568984" y="2881340"/>
+            <a:ext cx="3150842" cy="456535"/>
+          </a:xfrm>
+          <a:prstGeom prst="rect">
+            <a:avLst/>
+          </a:prstGeom>
+          <a:solidFill>
+            <a:srgbClr val="0F7D80"/>
+          </a:solidFill>
+        </p:spPr>
+        <p:txBody>
+          <a:bodyPr wrap="square" lIns="0" tIns="0" rIns="0" bIns="0" rtlCol="0" anchor="t">
+            <a:spAutoFit/>
+          </a:bodyPr>
+          <a:lstStyle/>
+          <a:p>
+            <a:pPr algn="ctr">
+              <a:lnSpc>
+                <a:spcPts val="4160"/>
+              </a:lnSpc>
+              <a:spcBef>
+                <a:spcPct val="0"/>
+              </a:spcBef>
+            </a:pPr>
+            <a:r>
+              <a:rPr lang="en-US" spc="448" dirty="0">
+                <a:solidFill>
+                  <a:schemeClr val="bg1"/>
+                </a:solidFill>
+                <a:latin typeface="Poppins Light"/>
+              </a:rPr>
+              <a:t>FELIPE </a:t>
+            </a:r>
+            <a:r>
+              <a:rPr lang="en-US" spc="448" dirty="0">
+                <a:solidFill>
+                  <a:schemeClr val="bg1"/>
+                </a:solidFill>
+                <a:latin typeface="Poppins Light"/>
+                <a:hlinkClick r:id="rId4" action="ppaction://hlinkfile">
+                  <a:extLst>
+                    <a:ext uri="{A12FA001-AC4F-418D-AE19-62706E023703}">
+                      <ahyp:hlinkClr xmlns:ahyp="http://schemas.microsoft.com/office/drawing/2018/hyperlinkcolor" val="tx"/>
+                    </a:ext>
+                  </a:extLst>
+                </a:hlinkClick>
+              </a:rPr>
+              <a:t>OLEGARIO</a:t>
+            </a:r>
+            <a:endParaRPr lang="en-US" spc="448" dirty="0">
+              <a:solidFill>
+                <a:schemeClr val="bg1"/>
+              </a:solidFill>
+              <a:latin typeface="Poppins Light"/>
+            </a:endParaRPr>
+          </a:p>
+        </p:txBody>
+      </p:sp>
+      <p:sp>
+        <p:nvSpPr>
+          <p:cNvPr id="30" name="TextBox 22">
+            <a:extLst>
+              <a:ext uri="{FF2B5EF4-FFF2-40B4-BE49-F238E27FC236}">
+                <a16:creationId xmlns:a16="http://schemas.microsoft.com/office/drawing/2014/main" id="{52390185-CDBE-403E-9252-F3C8E379D561}"/>
+              </a:ext>
+            </a:extLst>
+          </p:cNvPr>
+          <p:cNvSpPr txBox="1"/>
+          <p:nvPr/>
+        </p:nvSpPr>
+        <p:spPr>
+          <a:xfrm>
+            <a:off x="4542347" y="5467741"/>
+            <a:ext cx="3372790" cy="456535"/>
+          </a:xfrm>
+          <a:prstGeom prst="rect">
+            <a:avLst/>
+          </a:prstGeom>
+          <a:solidFill>
+            <a:srgbClr val="0F7D80"/>
+          </a:solidFill>
+        </p:spPr>
+        <p:txBody>
+          <a:bodyPr wrap="square" lIns="0" tIns="0" rIns="0" bIns="0" rtlCol="0" anchor="t">
+            <a:spAutoFit/>
+          </a:bodyPr>
+          <a:lstStyle/>
+          <a:p>
+            <a:pPr algn="ctr">
+              <a:lnSpc>
+                <a:spcPts val="4160"/>
+              </a:lnSpc>
+              <a:spcBef>
+                <a:spcPct val="0"/>
+              </a:spcBef>
+            </a:pPr>
+            <a:r>
+              <a:rPr lang="en-US" spc="448" dirty="0">
+                <a:solidFill>
+                  <a:schemeClr val="bg1"/>
+                </a:solidFill>
+                <a:latin typeface="Poppins Light"/>
+              </a:rPr>
+              <a:t>MATHEUS </a:t>
+            </a:r>
+            <a:r>
+              <a:rPr lang="en-US" spc="448" dirty="0">
+                <a:solidFill>
+                  <a:schemeClr val="bg1"/>
+                </a:solidFill>
+                <a:latin typeface="Poppins Light"/>
+                <a:hlinkClick r:id="rId5" action="ppaction://hlinkfile">
+                  <a:extLst>
+                    <a:ext uri="{A12FA001-AC4F-418D-AE19-62706E023703}">
+                      <ahyp:hlinkClr xmlns:ahyp="http://schemas.microsoft.com/office/drawing/2018/hyperlinkcolor" val="tx"/>
+                    </a:ext>
+                  </a:extLst>
+                </a:hlinkClick>
+              </a:rPr>
+              <a:t>HENRIQUE</a:t>
+            </a:r>
+            <a:endParaRPr lang="en-US" spc="448" dirty="0">
+              <a:solidFill>
+                <a:schemeClr val="bg1"/>
+              </a:solidFill>
+              <a:latin typeface="Poppins Light"/>
+            </a:endParaRPr>
+          </a:p>
+        </p:txBody>
+      </p:sp>
+      <p:sp>
+        <p:nvSpPr>
+          <p:cNvPr id="31" name="TextBox 23">
+            <a:extLst>
+              <a:ext uri="{FF2B5EF4-FFF2-40B4-BE49-F238E27FC236}">
+                <a16:creationId xmlns:a16="http://schemas.microsoft.com/office/drawing/2014/main" id="{AF8BC9AA-B378-41A4-8470-CBFDA2079E33}"/>
+              </a:ext>
+            </a:extLst>
+          </p:cNvPr>
+          <p:cNvSpPr txBox="1"/>
+          <p:nvPr/>
+        </p:nvSpPr>
+        <p:spPr>
+          <a:xfrm>
+            <a:off x="630633" y="5459260"/>
+            <a:ext cx="3150842" cy="456535"/>
+          </a:xfrm>
+          <a:prstGeom prst="rect">
+            <a:avLst/>
+          </a:prstGeom>
+          <a:solidFill>
+            <a:srgbClr val="0F7D80"/>
+          </a:solidFill>
+        </p:spPr>
+        <p:txBody>
+          <a:bodyPr wrap="square" lIns="0" tIns="0" rIns="0" bIns="0" rtlCol="0" anchor="t">
+            <a:spAutoFit/>
+          </a:bodyPr>
+          <a:lstStyle/>
+          <a:p>
+            <a:pPr algn="ctr">
+              <a:lnSpc>
+                <a:spcPts val="4160"/>
+              </a:lnSpc>
+              <a:spcBef>
+                <a:spcPct val="0"/>
+              </a:spcBef>
+            </a:pPr>
+            <a:r>
+              <a:rPr lang="en-US" spc="448" dirty="0">
+                <a:solidFill>
+                  <a:srgbClr val="FFFFFF"/>
+                </a:solidFill>
+                <a:latin typeface="Poppins Light"/>
+              </a:rPr>
+              <a:t>JOÃO VITOR</a:t>
+            </a:r>
+          </a:p>
+        </p:txBody>
+      </p:sp>
     </p:spTree>
     <p:extLst>
       <p:ext uri="{BB962C8B-B14F-4D97-AF65-F5344CB8AC3E}">
@@ -3303,13 +3876,6 @@
   <p:clrMapOvr>
     <a:masterClrMapping/>
   </p:clrMapOvr>
-  <p:timing>
-    <p:tnLst>
-      <p:par>
-        <p:cTn id="1" dur="indefinite" restart="never" nodeType="tmRoot"/>
-      </p:par>
-    </p:tnLst>
-  </p:timing>
 </p:sld>
 </file>
 
@@ -3354,13 +3920,6 @@
   <p:clrMapOvr>
     <a:masterClrMapping/>
   </p:clrMapOvr>
-  <p:timing>
-    <p:tnLst>
-      <p:par>
-        <p:cTn id="1" dur="indefinite" restart="never" nodeType="tmRoot"/>
-      </p:par>
-    </p:tnLst>
-  </p:timing>
 </p:sld>
 </file>
 
@@ -3405,13 +3964,6 @@
   <p:clrMapOvr>
     <a:masterClrMapping/>
   </p:clrMapOvr>
-  <p:timing>
-    <p:tnLst>
-      <p:par>
-        <p:cTn id="1" dur="indefinite" restart="never" nodeType="tmRoot"/>
-      </p:par>
-    </p:tnLst>
-  </p:timing>
 </p:sld>
 </file>
 
@@ -3456,13 +4008,6 @@
   <p:clrMapOvr>
     <a:masterClrMapping/>
   </p:clrMapOvr>
-  <p:timing>
-    <p:tnLst>
-      <p:par>
-        <p:cTn id="1" dur="indefinite" restart="never" nodeType="tmRoot"/>
-      </p:par>
-    </p:tnLst>
-  </p:timing>
 </p:sld>
 </file>
 

--- a/Documentação/Apresentação1.pptx
+++ b/Documentação/Apresentação1.pptx
@@ -250,7 +250,7 @@
           <a:p>
             <a:fld id="{271203A6-1810-45A6-9039-E2F1F49B3FA5}" type="datetimeFigureOut">
               <a:rPr lang="pt-BR" smtClean="0"/>
-              <a:t>18/09/2020</a:t>
+              <a:t>21/09/2020</a:t>
             </a:fld>
             <a:endParaRPr lang="pt-BR"/>
           </a:p>
@@ -418,7 +418,7 @@
           <a:p>
             <a:fld id="{271203A6-1810-45A6-9039-E2F1F49B3FA5}" type="datetimeFigureOut">
               <a:rPr lang="pt-BR" smtClean="0"/>
-              <a:t>18/09/2020</a:t>
+              <a:t>21/09/2020</a:t>
             </a:fld>
             <a:endParaRPr lang="pt-BR"/>
           </a:p>
@@ -596,7 +596,7 @@
           <a:p>
             <a:fld id="{271203A6-1810-45A6-9039-E2F1F49B3FA5}" type="datetimeFigureOut">
               <a:rPr lang="pt-BR" smtClean="0"/>
-              <a:t>18/09/2020</a:t>
+              <a:t>21/09/2020</a:t>
             </a:fld>
             <a:endParaRPr lang="pt-BR"/>
           </a:p>
@@ -764,7 +764,7 @@
           <a:p>
             <a:fld id="{271203A6-1810-45A6-9039-E2F1F49B3FA5}" type="datetimeFigureOut">
               <a:rPr lang="pt-BR" smtClean="0"/>
-              <a:t>18/09/2020</a:t>
+              <a:t>21/09/2020</a:t>
             </a:fld>
             <a:endParaRPr lang="pt-BR"/>
           </a:p>
@@ -1009,7 +1009,7 @@
           <a:p>
             <a:fld id="{271203A6-1810-45A6-9039-E2F1F49B3FA5}" type="datetimeFigureOut">
               <a:rPr lang="pt-BR" smtClean="0"/>
-              <a:t>18/09/2020</a:t>
+              <a:t>21/09/2020</a:t>
             </a:fld>
             <a:endParaRPr lang="pt-BR"/>
           </a:p>
@@ -1238,7 +1238,7 @@
           <a:p>
             <a:fld id="{271203A6-1810-45A6-9039-E2F1F49B3FA5}" type="datetimeFigureOut">
               <a:rPr lang="pt-BR" smtClean="0"/>
-              <a:t>18/09/2020</a:t>
+              <a:t>21/09/2020</a:t>
             </a:fld>
             <a:endParaRPr lang="pt-BR"/>
           </a:p>
@@ -1602,7 +1602,7 @@
           <a:p>
             <a:fld id="{271203A6-1810-45A6-9039-E2F1F49B3FA5}" type="datetimeFigureOut">
               <a:rPr lang="pt-BR" smtClean="0"/>
-              <a:t>18/09/2020</a:t>
+              <a:t>21/09/2020</a:t>
             </a:fld>
             <a:endParaRPr lang="pt-BR"/>
           </a:p>
@@ -1719,7 +1719,7 @@
           <a:p>
             <a:fld id="{271203A6-1810-45A6-9039-E2F1F49B3FA5}" type="datetimeFigureOut">
               <a:rPr lang="pt-BR" smtClean="0"/>
-              <a:t>18/09/2020</a:t>
+              <a:t>21/09/2020</a:t>
             </a:fld>
             <a:endParaRPr lang="pt-BR"/>
           </a:p>
@@ -1814,7 +1814,7 @@
           <a:p>
             <a:fld id="{271203A6-1810-45A6-9039-E2F1F49B3FA5}" type="datetimeFigureOut">
               <a:rPr lang="pt-BR" smtClean="0"/>
-              <a:t>18/09/2020</a:t>
+              <a:t>21/09/2020</a:t>
             </a:fld>
             <a:endParaRPr lang="pt-BR"/>
           </a:p>
@@ -2089,7 +2089,7 @@
           <a:p>
             <a:fld id="{271203A6-1810-45A6-9039-E2F1F49B3FA5}" type="datetimeFigureOut">
               <a:rPr lang="pt-BR" smtClean="0"/>
-              <a:t>18/09/2020</a:t>
+              <a:t>21/09/2020</a:t>
             </a:fld>
             <a:endParaRPr lang="pt-BR"/>
           </a:p>
@@ -2341,7 +2341,7 @@
           <a:p>
             <a:fld id="{271203A6-1810-45A6-9039-E2F1F49B3FA5}" type="datetimeFigureOut">
               <a:rPr lang="pt-BR" smtClean="0"/>
-              <a:t>18/09/2020</a:t>
+              <a:t>21/09/2020</a:t>
             </a:fld>
             <a:endParaRPr lang="pt-BR"/>
           </a:p>
@@ -2552,7 +2552,7 @@
           <a:p>
             <a:fld id="{271203A6-1810-45A6-9039-E2F1F49B3FA5}" type="datetimeFigureOut">
               <a:rPr lang="pt-BR" smtClean="0"/>
-              <a:t>18/09/2020</a:t>
+              <a:t>21/09/2020</a:t>
             </a:fld>
             <a:endParaRPr lang="pt-BR"/>
           </a:p>
@@ -3587,7 +3587,7 @@
         <p:spPr>
           <a:xfrm>
             <a:off x="4680855" y="2881341"/>
-            <a:ext cx="3150842" cy="456535"/>
+            <a:ext cx="3150842" cy="464871"/>
           </a:xfrm>
           <a:prstGeom prst="rect">
             <a:avLst/>
@@ -3613,111 +3613,11 @@
             <a:r>
               <a:rPr lang="en-US" spc="448" dirty="0">
                 <a:solidFill>
-                  <a:srgbClr val="FFFFFF"/>
-                </a:solidFill>
-                <a:latin typeface="Poppins Light"/>
-              </a:rPr>
-              <a:t>DORIVAL RAMOS</a:t>
-            </a:r>
-          </a:p>
-        </p:txBody>
-      </p:sp>
-      <p:sp>
-        <p:nvSpPr>
-          <p:cNvPr id="28" name="TextBox 20">
-            <a:extLst>
-              <a:ext uri="{FF2B5EF4-FFF2-40B4-BE49-F238E27FC236}">
-                <a16:creationId xmlns:a16="http://schemas.microsoft.com/office/drawing/2014/main" id="{9F36E243-A260-47F4-BB14-70B65FD76580}"/>
-              </a:ext>
-            </a:extLst>
-          </p:cNvPr>
-          <p:cNvSpPr txBox="1"/>
-          <p:nvPr/>
-        </p:nvSpPr>
-        <p:spPr>
-          <a:xfrm>
-            <a:off x="8612519" y="5459259"/>
-            <a:ext cx="3150842" cy="456535"/>
-          </a:xfrm>
-          <a:prstGeom prst="rect">
-            <a:avLst/>
-          </a:prstGeom>
-          <a:solidFill>
-            <a:srgbClr val="0F7D80"/>
-          </a:solidFill>
-        </p:spPr>
-        <p:txBody>
-          <a:bodyPr wrap="square" lIns="0" tIns="0" rIns="0" bIns="0" rtlCol="0" anchor="t">
-            <a:spAutoFit/>
-          </a:bodyPr>
-          <a:lstStyle/>
-          <a:p>
-            <a:pPr algn="ctr">
-              <a:lnSpc>
-                <a:spcPts val="4160"/>
-              </a:lnSpc>
-              <a:spcBef>
-                <a:spcPct val="0"/>
-              </a:spcBef>
-            </a:pPr>
-            <a:r>
-              <a:rPr lang="en-US" spc="448" dirty="0">
-                <a:solidFill>
-                  <a:srgbClr val="FFFFFF"/>
-                </a:solidFill>
-                <a:latin typeface="Poppins Light"/>
-              </a:rPr>
-              <a:t>VALMOR MACHADO</a:t>
-            </a:r>
-          </a:p>
-        </p:txBody>
-      </p:sp>
-      <p:sp>
-        <p:nvSpPr>
-          <p:cNvPr id="29" name="TextBox 21">
-            <a:extLst>
-              <a:ext uri="{FF2B5EF4-FFF2-40B4-BE49-F238E27FC236}">
-                <a16:creationId xmlns:a16="http://schemas.microsoft.com/office/drawing/2014/main" id="{BFA34F24-F159-4056-B438-23D7D168EC7B}"/>
-              </a:ext>
-            </a:extLst>
-          </p:cNvPr>
-          <p:cNvSpPr txBox="1"/>
-          <p:nvPr/>
-        </p:nvSpPr>
-        <p:spPr>
-          <a:xfrm>
-            <a:off x="8568984" y="2881340"/>
-            <a:ext cx="3150842" cy="456535"/>
-          </a:xfrm>
-          <a:prstGeom prst="rect">
-            <a:avLst/>
-          </a:prstGeom>
-          <a:solidFill>
-            <a:srgbClr val="0F7D80"/>
-          </a:solidFill>
-        </p:spPr>
-        <p:txBody>
-          <a:bodyPr wrap="square" lIns="0" tIns="0" rIns="0" bIns="0" rtlCol="0" anchor="t">
-            <a:spAutoFit/>
-          </a:bodyPr>
-          <a:lstStyle/>
-          <a:p>
-            <a:pPr algn="ctr">
-              <a:lnSpc>
-                <a:spcPts val="4160"/>
-              </a:lnSpc>
-              <a:spcBef>
-                <a:spcPct val="0"/>
-              </a:spcBef>
-            </a:pPr>
-            <a:r>
-              <a:rPr lang="en-US" spc="448" dirty="0">
-                <a:solidFill>
                   <a:schemeClr val="bg1"/>
                 </a:solidFill>
                 <a:latin typeface="Poppins Light"/>
               </a:rPr>
-              <a:t>FELIPE </a:t>
+              <a:t>DORIVAL </a:t>
             </a:r>
             <a:r>
               <a:rPr lang="en-US" spc="448" dirty="0">
@@ -3733,7 +3633,7 @@
                   </a:extLst>
                 </a:hlinkClick>
               </a:rPr>
-              <a:t>OLEGARIO</a:t>
+              <a:t>RAMOS</a:t>
             </a:r>
             <a:endParaRPr lang="en-US" spc="448" dirty="0">
               <a:solidFill>
@@ -3746,10 +3646,10 @@
       </p:sp>
       <p:sp>
         <p:nvSpPr>
-          <p:cNvPr id="30" name="TextBox 22">
+          <p:cNvPr id="28" name="TextBox 20">
             <a:extLst>
               <a:ext uri="{FF2B5EF4-FFF2-40B4-BE49-F238E27FC236}">
-                <a16:creationId xmlns:a16="http://schemas.microsoft.com/office/drawing/2014/main" id="{52390185-CDBE-403E-9252-F3C8E379D561}"/>
+                <a16:creationId xmlns:a16="http://schemas.microsoft.com/office/drawing/2014/main" id="{9F36E243-A260-47F4-BB14-70B65FD76580}"/>
               </a:ext>
             </a:extLst>
           </p:cNvPr>
@@ -3758,8 +3658,8 @@
         </p:nvSpPr>
         <p:spPr>
           <a:xfrm>
-            <a:off x="4542347" y="5467741"/>
-            <a:ext cx="3372790" cy="456535"/>
+            <a:off x="8612519" y="5459259"/>
+            <a:ext cx="3150842" cy="464871"/>
           </a:xfrm>
           <a:prstGeom prst="rect">
             <a:avLst/>
@@ -3789,7 +3689,7 @@
                 </a:solidFill>
                 <a:latin typeface="Poppins Light"/>
               </a:rPr>
-              <a:t>MATHEUS </a:t>
+              <a:t>VALMOR </a:t>
             </a:r>
             <a:r>
               <a:rPr lang="en-US" spc="448" dirty="0">
@@ -3805,6 +3705,150 @@
                   </a:extLst>
                 </a:hlinkClick>
               </a:rPr>
+              <a:t>MACHADO</a:t>
+            </a:r>
+            <a:endParaRPr lang="en-US" spc="448" dirty="0">
+              <a:solidFill>
+                <a:schemeClr val="bg1"/>
+              </a:solidFill>
+              <a:latin typeface="Poppins Light"/>
+            </a:endParaRPr>
+          </a:p>
+        </p:txBody>
+      </p:sp>
+      <p:sp>
+        <p:nvSpPr>
+          <p:cNvPr id="29" name="TextBox 21">
+            <a:extLst>
+              <a:ext uri="{FF2B5EF4-FFF2-40B4-BE49-F238E27FC236}">
+                <a16:creationId xmlns:a16="http://schemas.microsoft.com/office/drawing/2014/main" id="{BFA34F24-F159-4056-B438-23D7D168EC7B}"/>
+              </a:ext>
+            </a:extLst>
+          </p:cNvPr>
+          <p:cNvSpPr txBox="1"/>
+          <p:nvPr/>
+        </p:nvSpPr>
+        <p:spPr>
+          <a:xfrm>
+            <a:off x="8568984" y="2881340"/>
+            <a:ext cx="3150842" cy="456535"/>
+          </a:xfrm>
+          <a:prstGeom prst="rect">
+            <a:avLst/>
+          </a:prstGeom>
+          <a:solidFill>
+            <a:srgbClr val="0F7D80"/>
+          </a:solidFill>
+        </p:spPr>
+        <p:txBody>
+          <a:bodyPr wrap="square" lIns="0" tIns="0" rIns="0" bIns="0" rtlCol="0" anchor="t">
+            <a:spAutoFit/>
+          </a:bodyPr>
+          <a:lstStyle/>
+          <a:p>
+            <a:pPr algn="ctr">
+              <a:lnSpc>
+                <a:spcPts val="4160"/>
+              </a:lnSpc>
+              <a:spcBef>
+                <a:spcPct val="0"/>
+              </a:spcBef>
+            </a:pPr>
+            <a:r>
+              <a:rPr lang="en-US" spc="448" dirty="0">
+                <a:solidFill>
+                  <a:schemeClr val="bg1"/>
+                </a:solidFill>
+                <a:latin typeface="Poppins Light"/>
+              </a:rPr>
+              <a:t>FELIPE </a:t>
+            </a:r>
+            <a:r>
+              <a:rPr lang="en-US" spc="448" dirty="0">
+                <a:solidFill>
+                  <a:schemeClr val="bg1"/>
+                </a:solidFill>
+                <a:latin typeface="Poppins Light"/>
+                <a:hlinkClick r:id="rId6" action="ppaction://hlinkfile">
+                  <a:extLst>
+                    <a:ext uri="{A12FA001-AC4F-418D-AE19-62706E023703}">
+                      <ahyp:hlinkClr xmlns:ahyp="http://schemas.microsoft.com/office/drawing/2018/hyperlinkcolor" val="tx"/>
+                    </a:ext>
+                  </a:extLst>
+                </a:hlinkClick>
+              </a:rPr>
+              <a:t>OLEGARIO</a:t>
+            </a:r>
+            <a:endParaRPr lang="en-US" spc="448" dirty="0">
+              <a:solidFill>
+                <a:schemeClr val="bg1"/>
+              </a:solidFill>
+              <a:latin typeface="Poppins Light"/>
+            </a:endParaRPr>
+          </a:p>
+        </p:txBody>
+      </p:sp>
+      <p:sp>
+        <p:nvSpPr>
+          <p:cNvPr id="30" name="TextBox 22">
+            <a:extLst>
+              <a:ext uri="{FF2B5EF4-FFF2-40B4-BE49-F238E27FC236}">
+                <a16:creationId xmlns:a16="http://schemas.microsoft.com/office/drawing/2014/main" id="{52390185-CDBE-403E-9252-F3C8E379D561}"/>
+              </a:ext>
+            </a:extLst>
+          </p:cNvPr>
+          <p:cNvSpPr txBox="1"/>
+          <p:nvPr/>
+        </p:nvSpPr>
+        <p:spPr>
+          <a:xfrm>
+            <a:off x="4542347" y="5467741"/>
+            <a:ext cx="3372790" cy="456535"/>
+          </a:xfrm>
+          <a:prstGeom prst="rect">
+            <a:avLst/>
+          </a:prstGeom>
+          <a:solidFill>
+            <a:srgbClr val="0F7D80"/>
+          </a:solidFill>
+        </p:spPr>
+        <p:txBody>
+          <a:bodyPr wrap="square" lIns="0" tIns="0" rIns="0" bIns="0" rtlCol="0" anchor="t">
+            <a:spAutoFit/>
+          </a:bodyPr>
+          <a:lstStyle/>
+          <a:p>
+            <a:pPr algn="ctr">
+              <a:lnSpc>
+                <a:spcPts val="4160"/>
+              </a:lnSpc>
+              <a:spcBef>
+                <a:spcPct val="0"/>
+              </a:spcBef>
+            </a:pPr>
+            <a:r>
+              <a:rPr lang="en-US" spc="448" dirty="0">
+                <a:solidFill>
+                  <a:schemeClr val="bg1"/>
+                </a:solidFill>
+                <a:latin typeface="Poppins Light"/>
+              </a:rPr>
+              <a:t>MATHEUS </a:t>
+            </a:r>
+            <a:r>
+              <a:rPr lang="en-US" spc="448" dirty="0">
+                <a:solidFill>
+                  <a:schemeClr val="bg1"/>
+                </a:solidFill>
+                <a:latin typeface="Poppins Light"/>
+                <a:hlinkClick r:id="rId7" action="ppaction://hlinkfile">
+                  <a:extLst>
+                    <a:ext uri="{A12FA001-AC4F-418D-AE19-62706E023703}">
+                      <ahyp:hlinkClr xmlns:ahyp="http://schemas.microsoft.com/office/drawing/2018/hyperlinkcolor" val="tx"/>
+                    </a:ext>
+                  </a:extLst>
+                </a:hlinkClick>
+              </a:rPr>
               <a:t>HENRIQUE</a:t>
             </a:r>
             <a:endParaRPr lang="en-US" spc="448" dirty="0">
@@ -3831,7 +3875,7 @@
         <p:spPr>
           <a:xfrm>
             <a:off x="630633" y="5459260"/>
-            <a:ext cx="3150842" cy="456535"/>
+            <a:ext cx="3150842" cy="464871"/>
           </a:xfrm>
           <a:prstGeom prst="rect">
             <a:avLst/>
@@ -3857,12 +3901,34 @@
             <a:r>
               <a:rPr lang="en-US" spc="448" dirty="0">
                 <a:solidFill>
-                  <a:srgbClr val="FFFFFF"/>
+                  <a:schemeClr val="bg1"/>
                 </a:solidFill>
                 <a:latin typeface="Poppins Light"/>
               </a:rPr>
-              <a:t>JOÃO VITOR</a:t>
-            </a:r>
+              <a:t>JOÃO </a:t>
+            </a:r>
+            <a:r>
+              <a:rPr lang="en-US" spc="448" dirty="0">
+                <a:solidFill>
+                  <a:schemeClr val="bg1"/>
+                </a:solidFill>
+                <a:latin typeface="Poppins Light"/>
+                <a:hlinkClick r:id="rId8" action="ppaction://hlinkfile">
+                  <a:extLst>
+                    <a:ext uri="{A12FA001-AC4F-418D-AE19-62706E023703}">
+                      <ahyp:hlinkClr xmlns:ahyp="http://schemas.microsoft.com/office/drawing/2018/hyperlinkcolor" val="tx"/>
+                    </a:ext>
+                  </a:extLst>
+                </a:hlinkClick>
+              </a:rPr>
+              <a:t>VITOR</a:t>
+            </a:r>
+            <a:endParaRPr lang="en-US" spc="448" dirty="0">
+              <a:solidFill>
+                <a:schemeClr val="bg1"/>
+              </a:solidFill>
+              <a:latin typeface="Poppins Light"/>
+            </a:endParaRPr>
           </a:p>
         </p:txBody>
       </p:sp>

--- a/Documentação/Apresentação1.pptx
+++ b/Documentação/Apresentação1.pptx
@@ -6,14 +6,14 @@
   </p:sldMasterIdLst>
   <p:sldIdLst>
     <p:sldId id="257" r:id="rId2"/>
-    <p:sldId id="258" r:id="rId3"/>
-    <p:sldId id="259" r:id="rId4"/>
+    <p:sldId id="259" r:id="rId3"/>
+    <p:sldId id="267" r:id="rId4"/>
     <p:sldId id="260" r:id="rId5"/>
-    <p:sldId id="261" r:id="rId6"/>
+    <p:sldId id="265" r:id="rId6"/>
     <p:sldId id="262" r:id="rId7"/>
-    <p:sldId id="263" r:id="rId8"/>
-    <p:sldId id="264" r:id="rId9"/>
-    <p:sldId id="265" r:id="rId10"/>
+    <p:sldId id="261" r:id="rId8"/>
+    <p:sldId id="263" r:id="rId9"/>
+    <p:sldId id="264" r:id="rId10"/>
     <p:sldId id="266" r:id="rId11"/>
   </p:sldIdLst>
   <p:sldSz cx="12192000" cy="6858000"/>
@@ -250,7 +250,7 @@
           <a:p>
             <a:fld id="{271203A6-1810-45A6-9039-E2F1F49B3FA5}" type="datetimeFigureOut">
               <a:rPr lang="pt-BR" smtClean="0"/>
-              <a:t>21/09/2020</a:t>
+              <a:t>23/09/2020</a:t>
             </a:fld>
             <a:endParaRPr lang="pt-BR"/>
           </a:p>
@@ -418,7 +418,7 @@
           <a:p>
             <a:fld id="{271203A6-1810-45A6-9039-E2F1F49B3FA5}" type="datetimeFigureOut">
               <a:rPr lang="pt-BR" smtClean="0"/>
-              <a:t>21/09/2020</a:t>
+              <a:t>23/09/2020</a:t>
             </a:fld>
             <a:endParaRPr lang="pt-BR"/>
           </a:p>
@@ -596,7 +596,7 @@
           <a:p>
             <a:fld id="{271203A6-1810-45A6-9039-E2F1F49B3FA5}" type="datetimeFigureOut">
               <a:rPr lang="pt-BR" smtClean="0"/>
-              <a:t>21/09/2020</a:t>
+              <a:t>23/09/2020</a:t>
             </a:fld>
             <a:endParaRPr lang="pt-BR"/>
           </a:p>
@@ -764,7 +764,7 @@
           <a:p>
             <a:fld id="{271203A6-1810-45A6-9039-E2F1F49B3FA5}" type="datetimeFigureOut">
               <a:rPr lang="pt-BR" smtClean="0"/>
-              <a:t>21/09/2020</a:t>
+              <a:t>23/09/2020</a:t>
             </a:fld>
             <a:endParaRPr lang="pt-BR"/>
           </a:p>
@@ -1009,7 +1009,7 @@
           <a:p>
             <a:fld id="{271203A6-1810-45A6-9039-E2F1F49B3FA5}" type="datetimeFigureOut">
               <a:rPr lang="pt-BR" smtClean="0"/>
-              <a:t>21/09/2020</a:t>
+              <a:t>23/09/2020</a:t>
             </a:fld>
             <a:endParaRPr lang="pt-BR"/>
           </a:p>
@@ -1238,7 +1238,7 @@
           <a:p>
             <a:fld id="{271203A6-1810-45A6-9039-E2F1F49B3FA5}" type="datetimeFigureOut">
               <a:rPr lang="pt-BR" smtClean="0"/>
-              <a:t>21/09/2020</a:t>
+              <a:t>23/09/2020</a:t>
             </a:fld>
             <a:endParaRPr lang="pt-BR"/>
           </a:p>
@@ -1602,7 +1602,7 @@
           <a:p>
             <a:fld id="{271203A6-1810-45A6-9039-E2F1F49B3FA5}" type="datetimeFigureOut">
               <a:rPr lang="pt-BR" smtClean="0"/>
-              <a:t>21/09/2020</a:t>
+              <a:t>23/09/2020</a:t>
             </a:fld>
             <a:endParaRPr lang="pt-BR"/>
           </a:p>
@@ -1719,7 +1719,7 @@
           <a:p>
             <a:fld id="{271203A6-1810-45A6-9039-E2F1F49B3FA5}" type="datetimeFigureOut">
               <a:rPr lang="pt-BR" smtClean="0"/>
-              <a:t>21/09/2020</a:t>
+              <a:t>23/09/2020</a:t>
             </a:fld>
             <a:endParaRPr lang="pt-BR"/>
           </a:p>
@@ -1814,7 +1814,7 @@
           <a:p>
             <a:fld id="{271203A6-1810-45A6-9039-E2F1F49B3FA5}" type="datetimeFigureOut">
               <a:rPr lang="pt-BR" smtClean="0"/>
-              <a:t>21/09/2020</a:t>
+              <a:t>23/09/2020</a:t>
             </a:fld>
             <a:endParaRPr lang="pt-BR"/>
           </a:p>
@@ -2089,7 +2089,7 @@
           <a:p>
             <a:fld id="{271203A6-1810-45A6-9039-E2F1F49B3FA5}" type="datetimeFigureOut">
               <a:rPr lang="pt-BR" smtClean="0"/>
-              <a:t>21/09/2020</a:t>
+              <a:t>23/09/2020</a:t>
             </a:fld>
             <a:endParaRPr lang="pt-BR"/>
           </a:p>
@@ -2341,7 +2341,7 @@
           <a:p>
             <a:fld id="{271203A6-1810-45A6-9039-E2F1F49B3FA5}" type="datetimeFigureOut">
               <a:rPr lang="pt-BR" smtClean="0"/>
-              <a:t>21/09/2020</a:t>
+              <a:t>23/09/2020</a:t>
             </a:fld>
             <a:endParaRPr lang="pt-BR"/>
           </a:p>
@@ -2552,7 +2552,7 @@
           <a:p>
             <a:fld id="{271203A6-1810-45A6-9039-E2F1F49B3FA5}" type="datetimeFigureOut">
               <a:rPr lang="pt-BR" smtClean="0"/>
-              <a:t>21/09/2020</a:t>
+              <a:t>23/09/2020</a:t>
             </a:fld>
             <a:endParaRPr lang="pt-BR"/>
           </a:p>
@@ -3062,7 +3062,7 @@
     </p:spTree>
     <p:extLst>
       <p:ext uri="{BB962C8B-B14F-4D97-AF65-F5344CB8AC3E}">
-        <p14:creationId xmlns:p14="http://schemas.microsoft.com/office/powerpoint/2010/main" val="883179491"/>
+        <p14:creationId xmlns:p14="http://schemas.microsoft.com/office/powerpoint/2010/main" val="2074642675"/>
       </p:ext>
     </p:extLst>
   </p:cSld>
@@ -3106,7 +3106,7 @@
     </p:spTree>
     <p:extLst>
       <p:ext uri="{BB962C8B-B14F-4D97-AF65-F5344CB8AC3E}">
-        <p14:creationId xmlns:p14="http://schemas.microsoft.com/office/powerpoint/2010/main" val="2074642675"/>
+        <p14:creationId xmlns:p14="http://schemas.microsoft.com/office/powerpoint/2010/main" val="3367630677"/>
       </p:ext>
     </p:extLst>
   </p:cSld>
@@ -3194,7 +3194,7 @@
     </p:spTree>
     <p:extLst>
       <p:ext uri="{BB962C8B-B14F-4D97-AF65-F5344CB8AC3E}">
-        <p14:creationId xmlns:p14="http://schemas.microsoft.com/office/powerpoint/2010/main" val="3433361087"/>
+        <p14:creationId xmlns:p14="http://schemas.microsoft.com/office/powerpoint/2010/main" val="355504824"/>
       </p:ext>
     </p:extLst>
   </p:cSld>
@@ -3979,7 +3979,7 @@
     </p:spTree>
     <p:extLst>
       <p:ext uri="{BB962C8B-B14F-4D97-AF65-F5344CB8AC3E}">
-        <p14:creationId xmlns:p14="http://schemas.microsoft.com/office/powerpoint/2010/main" val="1602506914"/>
+        <p14:creationId xmlns:p14="http://schemas.microsoft.com/office/powerpoint/2010/main" val="3433361087"/>
       </p:ext>
     </p:extLst>
   </p:cSld>
@@ -4023,7 +4023,7 @@
     </p:spTree>
     <p:extLst>
       <p:ext uri="{BB962C8B-B14F-4D97-AF65-F5344CB8AC3E}">
-        <p14:creationId xmlns:p14="http://schemas.microsoft.com/office/powerpoint/2010/main" val="3202768691"/>
+        <p14:creationId xmlns:p14="http://schemas.microsoft.com/office/powerpoint/2010/main" val="1602506914"/>
       </p:ext>
     </p:extLst>
   </p:cSld>
@@ -4067,7 +4067,7 @@
     </p:spTree>
     <p:extLst>
       <p:ext uri="{BB962C8B-B14F-4D97-AF65-F5344CB8AC3E}">
-        <p14:creationId xmlns:p14="http://schemas.microsoft.com/office/powerpoint/2010/main" val="355504824"/>
+        <p14:creationId xmlns:p14="http://schemas.microsoft.com/office/powerpoint/2010/main" val="3202768691"/>
       </p:ext>
     </p:extLst>
   </p:cSld>
